--- a/Documents/Présentation2018/SéminairePigHive2018.pptx
+++ b/Documents/Présentation2018/SéminairePigHive2018.pptx
@@ -5,7 +5,7 @@
     <p:sldMasterId id="2147483648" r:id="rId1"/>
   </p:sldMasterIdLst>
   <p:notesMasterIdLst>
-    <p:notesMasterId r:id="rId14"/>
+    <p:notesMasterId r:id="rId15"/>
   </p:notesMasterIdLst>
   <p:sldIdLst>
     <p:sldId id="334" r:id="rId2"/>
@@ -19,7 +19,8 @@
     <p:sldId id="368" r:id="rId10"/>
     <p:sldId id="366" r:id="rId11"/>
     <p:sldId id="364" r:id="rId12"/>
-    <p:sldId id="269" r:id="rId13"/>
+    <p:sldId id="378" r:id="rId13"/>
+    <p:sldId id="269" r:id="rId14"/>
   </p:sldIdLst>
   <p:sldSz cx="12192000" cy="6858000"/>
   <p:notesSz cx="6858000" cy="9144000"/>
@@ -120,7 +121,7 @@
   </p:defaultTextStyle>
   <p:extLst>
     <p:ext uri="{EFAFB233-063F-42B5-8137-9DF3F51BA10A}">
-      <p15:sldGuideLst xmlns="" xmlns:p15="http://schemas.microsoft.com/office/powerpoint/2012/main"/>
+      <p15:sldGuideLst xmlns:p15="http://schemas.microsoft.com/office/powerpoint/2012/main" xmlns=""/>
     </p:ext>
   </p:extLst>
 </p:presentation>
@@ -212,7 +213,7 @@
           <a:p>
             <a:fld id="{5108F45A-3E71-4948-830A-3ABEE0FA3D6C}" type="datetimeFigureOut">
               <a:rPr lang="fr-FR" smtClean="0"/>
-              <a:t>07/01/2018</a:t>
+              <a:t>16/01/2018</a:t>
             </a:fld>
             <a:endParaRPr lang="fr-FR"/>
           </a:p>
@@ -546,7 +547,7 @@
               <a:rPr lang="fr-FR" smtClean="0"/>
               <a:t>1</a:t>
             </a:fld>
-            <a:endParaRPr lang="fr-FR"/>
+            <a:endParaRPr lang="fr-FR" dirty="0"/>
           </a:p>
         </p:txBody>
       </p:sp>
@@ -1326,7 +1327,7 @@
           <a:p>
             <a:fld id="{F96BD607-AD66-48AA-A6EA-3F5AD126789E}" type="datetime1">
               <a:rPr lang="fr-FR" smtClean="0"/>
-              <a:t>07/01/2018</a:t>
+              <a:t>16/01/2018</a:t>
             </a:fld>
             <a:endParaRPr lang="fr-FR"/>
           </a:p>
@@ -1494,7 +1495,7 @@
           <a:p>
             <a:fld id="{FBC0DDF8-EAE6-42C1-ACE7-4A8EC5CF5345}" type="datetime1">
               <a:rPr lang="fr-FR" smtClean="0"/>
-              <a:t>07/01/2018</a:t>
+              <a:t>16/01/2018</a:t>
             </a:fld>
             <a:endParaRPr lang="fr-FR"/>
           </a:p>
@@ -1672,7 +1673,7 @@
           <a:p>
             <a:fld id="{195E2B47-DACB-4365-BA1C-31D5BCC82344}" type="datetime1">
               <a:rPr lang="fr-FR" smtClean="0"/>
-              <a:t>07/01/2018</a:t>
+              <a:t>16/01/2018</a:t>
             </a:fld>
             <a:endParaRPr lang="fr-FR"/>
           </a:p>
@@ -1849,7 +1850,7 @@
           <a:p>
             <a:fld id="{BE86816F-C22B-4DFD-82AB-178927890348}" type="datetime1">
               <a:rPr lang="fr-FR" smtClean="0"/>
-              <a:t>07/01/2018</a:t>
+              <a:t>16/01/2018</a:t>
             </a:fld>
             <a:endParaRPr lang="fr-FR"/>
           </a:p>
@@ -2099,7 +2100,7 @@
           <a:p>
             <a:fld id="{92077C1A-4560-4312-8E73-23C61F736238}" type="datetime1">
               <a:rPr lang="fr-FR" smtClean="0"/>
-              <a:t>07/01/2018</a:t>
+              <a:t>16/01/2018</a:t>
             </a:fld>
             <a:endParaRPr lang="fr-FR"/>
           </a:p>
@@ -2328,7 +2329,7 @@
           <a:p>
             <a:fld id="{4D89A0CD-8689-4D1E-990B-7E5BBD6C3E38}" type="datetime1">
               <a:rPr lang="fr-FR" smtClean="0"/>
-              <a:t>07/01/2018</a:t>
+              <a:t>16/01/2018</a:t>
             </a:fld>
             <a:endParaRPr lang="fr-FR"/>
           </a:p>
@@ -2692,7 +2693,7 @@
           <a:p>
             <a:fld id="{5CE95B9C-28D8-47E6-88FF-39EB6F2CCF00}" type="datetime1">
               <a:rPr lang="fr-FR" smtClean="0"/>
-              <a:t>07/01/2018</a:t>
+              <a:t>16/01/2018</a:t>
             </a:fld>
             <a:endParaRPr lang="fr-FR"/>
           </a:p>
@@ -2809,7 +2810,7 @@
           <a:p>
             <a:fld id="{A9E62AFA-A579-45A1-952B-E8970D7F144E}" type="datetime1">
               <a:rPr lang="fr-FR" smtClean="0"/>
-              <a:t>07/01/2018</a:t>
+              <a:t>16/01/2018</a:t>
             </a:fld>
             <a:endParaRPr lang="fr-FR"/>
           </a:p>
@@ -2904,7 +2905,7 @@
           <a:p>
             <a:fld id="{0C997FA5-1F48-4588-A0B0-7B0DF3060C17}" type="datetime1">
               <a:rPr lang="fr-FR" smtClean="0"/>
-              <a:t>07/01/2018</a:t>
+              <a:t>16/01/2018</a:t>
             </a:fld>
             <a:endParaRPr lang="fr-FR"/>
           </a:p>
@@ -3179,7 +3180,7 @@
           <a:p>
             <a:fld id="{48725828-BEBE-4FFA-BE5D-AE689BC5ADDE}" type="datetime1">
               <a:rPr lang="fr-FR" smtClean="0"/>
-              <a:t>07/01/2018</a:t>
+              <a:t>16/01/2018</a:t>
             </a:fld>
             <a:endParaRPr lang="fr-FR"/>
           </a:p>
@@ -3431,7 +3432,7 @@
           <a:p>
             <a:fld id="{40786260-472A-4E8F-B522-0D2B3CC4FF80}" type="datetime1">
               <a:rPr lang="fr-FR" smtClean="0"/>
-              <a:t>07/01/2018</a:t>
+              <a:t>16/01/2018</a:t>
             </a:fld>
             <a:endParaRPr lang="fr-FR"/>
           </a:p>
@@ -3642,7 +3643,7 @@
           <a:p>
             <a:fld id="{6E5C257E-ABB3-458A-A008-DA3C9A1E04B9}" type="datetime1">
               <a:rPr lang="fr-FR" smtClean="0"/>
-              <a:t>07/01/2018</a:t>
+              <a:t>16/01/2018</a:t>
             </a:fld>
             <a:endParaRPr lang="fr-FR"/>
           </a:p>
@@ -3731,7 +3732,7 @@
           <p:cNvPr id="9" name="Rectangle 8">
             <a:extLst>
               <a:ext uri="{FF2B5EF4-FFF2-40B4-BE49-F238E27FC236}">
-                <a16:creationId xmlns="" xmlns:a16="http://schemas.microsoft.com/office/drawing/2014/main" id="{D3ADFED6-A262-432E-AC01-C64835E9A4EB}"/>
+                <a16:creationId xmlns:a16="http://schemas.microsoft.com/office/drawing/2014/main" xmlns="" id="{D3ADFED6-A262-432E-AC01-C64835E9A4EB}"/>
               </a:ext>
             </a:extLst>
           </p:cNvPr>
@@ -3783,7 +3784,7 @@
           <p:cNvPr id="10" name="Image 9">
             <a:extLst>
               <a:ext uri="{FF2B5EF4-FFF2-40B4-BE49-F238E27FC236}">
-                <a16:creationId xmlns="" xmlns:a16="http://schemas.microsoft.com/office/drawing/2014/main" id="{6DF873B6-53F6-4BF3-ACF0-57B0D8E559D8}"/>
+                <a16:creationId xmlns:a16="http://schemas.microsoft.com/office/drawing/2014/main" xmlns="" id="{6DF873B6-53F6-4BF3-ACF0-57B0D8E559D8}"/>
               </a:ext>
             </a:extLst>
           </p:cNvPr>
@@ -4134,7 +4135,7 @@
           <p:cNvPr id="13" name="Rectangle 12">
             <a:extLst>
               <a:ext uri="{FF2B5EF4-FFF2-40B4-BE49-F238E27FC236}">
-                <a16:creationId xmlns="" xmlns:a16="http://schemas.microsoft.com/office/drawing/2014/main" id="{1D55655D-6AF5-4117-8141-C4F8EA32F329}"/>
+                <a16:creationId xmlns:a16="http://schemas.microsoft.com/office/drawing/2014/main" xmlns="" id="{1D55655D-6AF5-4117-8141-C4F8EA32F329}"/>
               </a:ext>
             </a:extLst>
           </p:cNvPr>
@@ -4177,7 +4178,7 @@
           <a:lstStyle/>
           <a:p>
             <a:pPr algn="ctr"/>
-            <a:endParaRPr lang="fr-FR"/>
+            <a:endParaRPr lang="fr-FR" dirty="0"/>
           </a:p>
         </p:txBody>
       </p:sp>
@@ -4186,7 +4187,7 @@
           <p:cNvPr id="14" name="Image 13">
             <a:extLst>
               <a:ext uri="{FF2B5EF4-FFF2-40B4-BE49-F238E27FC236}">
-                <a16:creationId xmlns="" xmlns:a16="http://schemas.microsoft.com/office/drawing/2014/main" id="{0A57E088-D2A2-42E4-900C-29BED3FD9B84}"/>
+                <a16:creationId xmlns:a16="http://schemas.microsoft.com/office/drawing/2014/main" xmlns="" id="{0A57E088-D2A2-42E4-900C-29BED3FD9B84}"/>
               </a:ext>
             </a:extLst>
           </p:cNvPr>
@@ -4215,7 +4216,7 @@
           <p:cNvPr id="21" name="Rectangle 20">
             <a:extLst>
               <a:ext uri="{FF2B5EF4-FFF2-40B4-BE49-F238E27FC236}">
-                <a16:creationId xmlns="" xmlns:a16="http://schemas.microsoft.com/office/drawing/2014/main" id="{43DAF0A1-347A-4BFE-B782-0DCC9ED6799F}"/>
+                <a16:creationId xmlns:a16="http://schemas.microsoft.com/office/drawing/2014/main" xmlns="" id="{43DAF0A1-347A-4BFE-B782-0DCC9ED6799F}"/>
               </a:ext>
             </a:extLst>
           </p:cNvPr>
@@ -4269,7 +4270,7 @@
           <p:cNvPr id="20" name="Image 19">
             <a:extLst>
               <a:ext uri="{FF2B5EF4-FFF2-40B4-BE49-F238E27FC236}">
-                <a16:creationId xmlns="" xmlns:a16="http://schemas.microsoft.com/office/drawing/2014/main" id="{2F262BFC-823A-464E-8D7F-3EA2F8E51929}"/>
+                <a16:creationId xmlns:a16="http://schemas.microsoft.com/office/drawing/2014/main" xmlns="" id="{2F262BFC-823A-464E-8D7F-3EA2F8E51929}"/>
               </a:ext>
             </a:extLst>
           </p:cNvPr>
@@ -4305,7 +4306,7 @@
           <p:cNvPr id="8" name="Titre 1">
             <a:extLst>
               <a:ext uri="{FF2B5EF4-FFF2-40B4-BE49-F238E27FC236}">
-                <a16:creationId xmlns="" xmlns:a16="http://schemas.microsoft.com/office/drawing/2014/main" id="{0F7B7881-F157-4AD5-83FA-6923E6E87F01}"/>
+                <a16:creationId xmlns:a16="http://schemas.microsoft.com/office/drawing/2014/main" xmlns="" id="{0F7B7881-F157-4AD5-83FA-6923E6E87F01}"/>
               </a:ext>
             </a:extLst>
           </p:cNvPr>
@@ -4355,16 +4356,7 @@
                 </a:solidFill>
                 <a:latin typeface="Montserrat" panose="02000505000000020004" pitchFamily="2" charset="0"/>
               </a:rPr>
-              <a:t>Séminaire </a:t>
-            </a:r>
-            <a:r>
-              <a:rPr lang="fr-FR" sz="3600" dirty="0" smtClean="0">
-                <a:solidFill>
-                  <a:schemeClr val="bg1"/>
-                </a:solidFill>
-                <a:latin typeface="Montserrat" panose="02000505000000020004" pitchFamily="2" charset="0"/>
-              </a:rPr>
-              <a:t>Pig Hive</a:t>
+              <a:t>Séminaire Pig Hive</a:t>
             </a:r>
             <a:endParaRPr lang="fr-FR" sz="3600" dirty="0">
               <a:solidFill>
@@ -4382,7 +4374,7 @@
                 </a:solidFill>
                 <a:latin typeface="Montserrat" panose="02000505000000020004" pitchFamily="2" charset="0"/>
               </a:rPr>
-              <a:t> </a:t>
+              <a:t>Mercredi 17 janvier </a:t>
             </a:r>
             <a:r>
               <a:rPr lang="fr-FR" sz="3600" dirty="0" smtClean="0">
@@ -5028,7 +5020,19 @@
             </a:r>
             <a:r>
               <a:rPr lang="en-IE" sz="1800" b="1" dirty="0"/>
-              <a:t>" id="1" </a:t>
+              <a:t>" </a:t>
+            </a:r>
+            <a:r>
+              <a:rPr lang="en-IE" sz="1800" b="1" dirty="0">
+                <a:solidFill>
+                  <a:srgbClr val="FF0000"/>
+                </a:solidFill>
+              </a:rPr>
+              <a:t>id</a:t>
+            </a:r>
+            <a:r>
+              <a:rPr lang="en-IE" sz="1800" b="1" dirty="0"/>
+              <a:t>="1" </a:t>
             </a:r>
             <a:r>
               <a:rPr lang="en-IE" sz="1800" b="1" dirty="0" err="1">
@@ -5119,7 +5123,19 @@
             </a:r>
             <a:r>
               <a:rPr lang="en-IE" sz="1800" b="1" dirty="0"/>
-              <a:t>"SP95" id="2" </a:t>
+              <a:t>"SP95" </a:t>
+            </a:r>
+            <a:r>
+              <a:rPr lang="en-IE" sz="1800" b="1" dirty="0">
+                <a:solidFill>
+                  <a:srgbClr val="FF0000"/>
+                </a:solidFill>
+              </a:rPr>
+              <a:t>id</a:t>
+            </a:r>
+            <a:r>
+              <a:rPr lang="en-IE" sz="1800" b="1" dirty="0"/>
+              <a:t>="2" </a:t>
             </a:r>
             <a:r>
               <a:rPr lang="en-IE" sz="1800" b="1" dirty="0" err="1">
@@ -5210,7 +5226,19 @@
             </a:r>
             <a:r>
               <a:rPr lang="en-IE" sz="1800" b="1" dirty="0"/>
-              <a:t>"E10" id="5" </a:t>
+              <a:t>"E10" </a:t>
+            </a:r>
+            <a:r>
+              <a:rPr lang="en-IE" sz="1800" b="1" dirty="0">
+                <a:solidFill>
+                  <a:srgbClr val="FF0000"/>
+                </a:solidFill>
+              </a:rPr>
+              <a:t>id</a:t>
+            </a:r>
+            <a:r>
+              <a:rPr lang="en-IE" sz="1800" b="1" dirty="0"/>
+              <a:t>="5" </a:t>
             </a:r>
             <a:r>
               <a:rPr lang="en-IE" sz="1800" b="1" dirty="0" err="1">
@@ -5331,6 +5359,18 @@
   <p:clrMapOvr>
     <a:masterClrMapping/>
   </p:clrMapOvr>
+  <mc:AlternateContent xmlns:mc="http://schemas.openxmlformats.org/markup-compatibility/2006" xmlns:p14="http://schemas.microsoft.com/office/powerpoint/2010/main">
+    <mc:Choice Requires="p14">
+      <p:transition spd="slow" p14:dur="800">
+        <p:circle/>
+      </p:transition>
+    </mc:Choice>
+    <mc:Fallback xmlns="">
+      <p:transition spd="slow">
+        <p:circle/>
+      </p:transition>
+    </mc:Fallback>
+  </mc:AlternateContent>
   <p:timing>
     <p:tnLst>
       <p:par>
@@ -5342,6 +5382,119 @@
 </file>
 
 <file path=ppt/slides/slide11.xml><?xml version="1.0" encoding="utf-8"?>
+<p:sld xmlns:a="http://schemas.openxmlformats.org/drawingml/2006/main" xmlns:r="http://schemas.openxmlformats.org/officeDocument/2006/relationships" xmlns:p="http://schemas.openxmlformats.org/presentationml/2006/main" show="0">
+  <p:cSld>
+    <p:spTree>
+      <p:nvGrpSpPr>
+        <p:cNvPr id="1" name=""/>
+        <p:cNvGrpSpPr/>
+        <p:nvPr/>
+      </p:nvGrpSpPr>
+      <p:grpSpPr>
+        <a:xfrm>
+          <a:off x="0" y="0"/>
+          <a:ext cx="0" cy="0"/>
+          <a:chOff x="0" y="0"/>
+          <a:chExt cx="0" cy="0"/>
+        </a:xfrm>
+      </p:grpSpPr>
+      <p:sp>
+        <p:nvSpPr>
+          <p:cNvPr id="2" name="Titre 1"/>
+          <p:cNvSpPr>
+            <a:spLocks noGrp="1"/>
+          </p:cNvSpPr>
+          <p:nvPr>
+            <p:ph type="title"/>
+          </p:nvPr>
+        </p:nvSpPr>
+        <p:spPr/>
+        <p:txBody>
+          <a:bodyPr/>
+          <a:lstStyle/>
+          <a:p>
+            <a:r>
+              <a:rPr lang="fr-FR" dirty="0" smtClean="0"/>
+              <a:t>Correction exo 2</a:t>
+            </a:r>
+            <a:endParaRPr lang="en-IE" dirty="0"/>
+          </a:p>
+        </p:txBody>
+      </p:sp>
+      <p:sp>
+        <p:nvSpPr>
+          <p:cNvPr id="3" name="Espace réservé du contenu 2"/>
+          <p:cNvSpPr>
+            <a:spLocks noGrp="1"/>
+          </p:cNvSpPr>
+          <p:nvPr>
+            <p:ph idx="1"/>
+          </p:nvPr>
+        </p:nvSpPr>
+        <p:spPr/>
+        <p:txBody>
+          <a:bodyPr>
+            <a:normAutofit/>
+          </a:bodyPr>
+          <a:lstStyle/>
+          <a:p>
+            <a:pPr fontAlgn="base"/>
+            <a:endParaRPr lang="en-IE" dirty="0"/>
+          </a:p>
+        </p:txBody>
+      </p:sp>
+      <p:sp>
+        <p:nvSpPr>
+          <p:cNvPr id="4" name="Espace réservé du numéro de diapositive 3"/>
+          <p:cNvSpPr>
+            <a:spLocks noGrp="1"/>
+          </p:cNvSpPr>
+          <p:nvPr>
+            <p:ph type="sldNum" sz="quarter" idx="12"/>
+          </p:nvPr>
+        </p:nvSpPr>
+        <p:spPr/>
+        <p:txBody>
+          <a:bodyPr/>
+          <a:lstStyle/>
+          <a:p>
+            <a:fld id="{F95F0D71-CBA5-4FB9-A078-414344542ACA}" type="slidenum">
+              <a:rPr lang="fr-FR" smtClean="0"/>
+              <a:t>11</a:t>
+            </a:fld>
+            <a:endParaRPr lang="fr-FR"/>
+          </a:p>
+        </p:txBody>
+      </p:sp>
+    </p:spTree>
+    <p:extLst>
+      <p:ext uri="{BB962C8B-B14F-4D97-AF65-F5344CB8AC3E}">
+        <p14:creationId xmlns:p14="http://schemas.microsoft.com/office/powerpoint/2010/main" val="4291987759"/>
+      </p:ext>
+    </p:extLst>
+  </p:cSld>
+  <p:clrMapOvr>
+    <a:masterClrMapping/>
+  </p:clrMapOvr>
+  <mc:AlternateContent xmlns:mc="http://schemas.openxmlformats.org/markup-compatibility/2006" xmlns:p14="http://schemas.microsoft.com/office/powerpoint/2010/main">
+    <mc:Choice Requires="p14">
+      <p:transition spd="slow" p14:dur="2000"/>
+    </mc:Choice>
+    <mc:Fallback xmlns="">
+      <p:transition spd="slow"/>
+    </mc:Fallback>
+  </mc:AlternateContent>
+  <p:timing>
+    <p:tnLst>
+      <p:par>
+        <p:cTn id="1" dur="indefinite" restart="never" nodeType="tmRoot"/>
+      </p:par>
+    </p:tnLst>
+  </p:timing>
+</p:sld>
+</file>
+
+<file path=ppt/slides/slide12.xml><?xml version="1.0" encoding="utf-8"?>
 <p:sld xmlns:a="http://schemas.openxmlformats.org/drawingml/2006/main" xmlns:r="http://schemas.openxmlformats.org/officeDocument/2006/relationships" xmlns:p="http://schemas.openxmlformats.org/presentationml/2006/main">
   <p:cSld>
     <p:spTree>
@@ -5374,8 +5527,24 @@
           <a:lstStyle/>
           <a:p>
             <a:r>
-              <a:rPr lang="fr-FR" dirty="0" smtClean="0"/>
-              <a:t>Correction exo 2</a:t>
+              <a:rPr lang="fr-FR" b="1" dirty="0"/>
+              <a:t>Exercice </a:t>
+            </a:r>
+            <a:r>
+              <a:rPr lang="fr-FR" b="1" dirty="0" smtClean="0"/>
+              <a:t>3 </a:t>
+            </a:r>
+            <a:r>
+              <a:rPr lang="fr-FR" b="1" dirty="0"/>
+              <a:t>: </a:t>
+            </a:r>
+            <a:r>
+              <a:rPr lang="fr-FR" b="1" dirty="0" err="1" smtClean="0"/>
+              <a:t>Recommender</a:t>
+            </a:r>
+            <a:r>
+              <a:rPr lang="fr-FR" b="1" dirty="0" smtClean="0"/>
+              <a:t> system</a:t>
             </a:r>
             <a:endParaRPr lang="en-IE" dirty="0"/>
           </a:p>
@@ -5396,6 +5565,66 @@
           <a:bodyPr/>
           <a:lstStyle/>
           <a:p>
+            <a:r>
+              <a:rPr lang="en-IE" dirty="0" smtClean="0"/>
+              <a:t>ratings.csv -&gt; </a:t>
+            </a:r>
+            <a:r>
+              <a:rPr lang="en-IE" dirty="0" err="1" smtClean="0"/>
+              <a:t>userId,movieId,rating,timestamp</a:t>
+            </a:r>
+            <a:endParaRPr lang="en-IE" dirty="0" smtClean="0"/>
+          </a:p>
+          <a:p>
+            <a:r>
+              <a:rPr lang="fr-FR" dirty="0"/>
+              <a:t>t</a:t>
+            </a:r>
+            <a:r>
+              <a:rPr lang="fr-FR" dirty="0" smtClean="0"/>
+              <a:t>ags.csv	-&gt;</a:t>
+            </a:r>
+            <a:r>
+              <a:rPr lang="en-IE" dirty="0"/>
+              <a:t> </a:t>
+            </a:r>
+            <a:r>
+              <a:rPr lang="en-IE" dirty="0" err="1" smtClean="0"/>
+              <a:t>userId,movieId,tag,timestamp</a:t>
+            </a:r>
+            <a:endParaRPr lang="en-IE" dirty="0" smtClean="0"/>
+          </a:p>
+          <a:p>
+            <a:r>
+              <a:rPr lang="fr-FR" dirty="0"/>
+              <a:t>m</a:t>
+            </a:r>
+            <a:r>
+              <a:rPr lang="fr-FR" dirty="0" smtClean="0"/>
+              <a:t>ovies.csv	-&gt; </a:t>
+            </a:r>
+            <a:r>
+              <a:rPr lang="en-IE" dirty="0" err="1" smtClean="0"/>
+              <a:t>movieId,title,genres</a:t>
+            </a:r>
+            <a:endParaRPr lang="en-IE" dirty="0" smtClean="0"/>
+          </a:p>
+          <a:p>
+            <a:r>
+              <a:rPr lang="fr-FR" dirty="0"/>
+              <a:t>l</a:t>
+            </a:r>
+            <a:r>
+              <a:rPr lang="fr-FR" dirty="0" smtClean="0"/>
+              <a:t>inks.csv	-&gt; </a:t>
+            </a:r>
+            <a:r>
+              <a:rPr lang="en-IE" dirty="0" err="1"/>
+              <a:t>movieId,imdbId,tmdbId</a:t>
+            </a:r>
+            <a:endParaRPr lang="en-IE" dirty="0"/>
+          </a:p>
+          <a:p>
             <a:endParaRPr lang="en-IE" dirty="0"/>
           </a:p>
         </p:txBody>
@@ -5417,7 +5646,7 @@
           <a:p>
             <a:fld id="{F95F0D71-CBA5-4FB9-A078-414344542ACA}" type="slidenum">
               <a:rPr lang="fr-FR" smtClean="0"/>
-              <a:t>11</a:t>
+              <a:t>12</a:t>
             </a:fld>
             <a:endParaRPr lang="fr-FR"/>
           </a:p>
@@ -5426,7 +5655,7 @@
     </p:spTree>
     <p:extLst>
       <p:ext uri="{BB962C8B-B14F-4D97-AF65-F5344CB8AC3E}">
-        <p14:creationId xmlns:p14="http://schemas.microsoft.com/office/powerpoint/2010/main" val="4291987759"/>
+        <p14:creationId xmlns:p14="http://schemas.microsoft.com/office/powerpoint/2010/main" val="2667615359"/>
       </p:ext>
     </p:extLst>
   </p:cSld>
@@ -5443,7 +5672,7 @@
 </p:sld>
 </file>
 
-<file path=ppt/slides/slide12.xml><?xml version="1.0" encoding="utf-8"?>
+<file path=ppt/slides/slide13.xml><?xml version="1.0" encoding="utf-8"?>
 <p:sld xmlns:a="http://schemas.openxmlformats.org/drawingml/2006/main" xmlns:r="http://schemas.openxmlformats.org/officeDocument/2006/relationships" xmlns:p="http://schemas.openxmlformats.org/presentationml/2006/main">
   <p:cSld>
     <p:spTree>
@@ -5620,6 +5849,18 @@
   <p:clrMapOvr>
     <a:masterClrMapping/>
   </p:clrMapOvr>
+  <mc:AlternateContent xmlns:mc="http://schemas.openxmlformats.org/markup-compatibility/2006" xmlns:p14="http://schemas.microsoft.com/office/powerpoint/2010/main">
+    <mc:Choice Requires="p14">
+      <p:transition spd="slow" p14:dur="800">
+        <p:circle/>
+      </p:transition>
+    </mc:Choice>
+    <mc:Fallback xmlns="">
+      <p:transition spd="slow">
+        <p:circle/>
+      </p:transition>
+    </mc:Fallback>
+  </mc:AlternateContent>
   <p:timing>
     <p:tnLst>
       <p:par>
@@ -5858,75 +6099,139 @@
           <a:p>
             <a:pPr marL="2071688"/>
             <a:r>
-              <a:rPr lang="fr-FR" b="1" dirty="0" smtClean="0"/>
+              <a:rPr lang="fr-FR" b="1" dirty="0" smtClean="0">
+                <a:solidFill>
+                  <a:schemeClr val="tx1"/>
+                </a:solidFill>
+              </a:rPr>
               <a:t>2009 – 2011 : Prépa MP</a:t>
             </a:r>
           </a:p>
           <a:p>
             <a:pPr marL="2071688"/>
-            <a:endParaRPr lang="fr-FR" b="1" dirty="0" smtClean="0"/>
+            <a:endParaRPr lang="fr-FR" b="1" dirty="0" smtClean="0">
+              <a:solidFill>
+                <a:schemeClr val="tx1"/>
+              </a:solidFill>
+            </a:endParaRPr>
           </a:p>
           <a:p>
             <a:pPr marL="2071688"/>
             <a:r>
-              <a:rPr lang="fr-FR" b="1" dirty="0" smtClean="0"/>
+              <a:rPr lang="fr-FR" b="1" dirty="0" smtClean="0">
+                <a:solidFill>
+                  <a:schemeClr val="tx1"/>
+                </a:solidFill>
+              </a:rPr>
               <a:t>2011 - 2014 : Ensai – Filière SID</a:t>
             </a:r>
           </a:p>
           <a:p>
             <a:pPr marL="2071688"/>
-            <a:endParaRPr lang="fr-FR" b="1" dirty="0"/>
+            <a:endParaRPr lang="fr-FR" b="1" dirty="0">
+              <a:solidFill>
+                <a:schemeClr val="tx1"/>
+              </a:solidFill>
+            </a:endParaRPr>
           </a:p>
           <a:p>
             <a:pPr marL="274638"/>
             <a:r>
-              <a:rPr lang="fr-FR" b="1" dirty="0" smtClean="0"/>
+              <a:rPr lang="fr-FR" b="1" dirty="0" smtClean="0">
+                <a:solidFill>
+                  <a:schemeClr val="tx1"/>
+                </a:solidFill>
+              </a:rPr>
               <a:t>2014 – Aujourd’hui : Data </a:t>
             </a:r>
             <a:r>
-              <a:rPr lang="fr-FR" b="1" dirty="0" err="1" smtClean="0"/>
+              <a:rPr lang="fr-FR" b="1" dirty="0" err="1" smtClean="0">
+                <a:solidFill>
+                  <a:schemeClr val="tx1"/>
+                </a:solidFill>
+              </a:rPr>
               <a:t>Scientist</a:t>
             </a:r>
             <a:r>
-              <a:rPr lang="fr-FR" b="1" dirty="0" smtClean="0"/>
+              <a:rPr lang="fr-FR" b="1" dirty="0" smtClean="0">
+                <a:solidFill>
+                  <a:schemeClr val="tx1"/>
+                </a:solidFill>
+              </a:rPr>
               <a:t> – Advalo</a:t>
             </a:r>
             <a:br>
-              <a:rPr lang="fr-FR" b="1" dirty="0" smtClean="0"/>
+              <a:rPr lang="fr-FR" b="1" dirty="0" smtClean="0">
+                <a:solidFill>
+                  <a:schemeClr val="tx1"/>
+                </a:solidFill>
+              </a:rPr>
             </a:br>
-            <a:endParaRPr lang="fr-FR" sz="300" b="1" dirty="0" smtClean="0"/>
+            <a:endParaRPr lang="fr-FR" sz="300" b="1" dirty="0" smtClean="0">
+              <a:solidFill>
+                <a:schemeClr val="tx1"/>
+              </a:solidFill>
+            </a:endParaRPr>
           </a:p>
           <a:p>
             <a:pPr marL="46038" indent="0" algn="ctr">
               <a:buNone/>
             </a:pPr>
             <a:r>
-              <a:rPr lang="fr-FR" b="1" dirty="0" smtClean="0"/>
+              <a:rPr lang="fr-FR" b="1" dirty="0" smtClean="0">
+                <a:solidFill>
+                  <a:schemeClr val="tx1"/>
+                </a:solidFill>
+              </a:rPr>
               <a:t>«Réinventer </a:t>
             </a:r>
             <a:r>
-              <a:rPr lang="fr-FR" b="1" dirty="0"/>
+              <a:rPr lang="fr-FR" b="1" dirty="0">
+                <a:solidFill>
+                  <a:schemeClr val="tx1"/>
+                </a:solidFill>
+              </a:rPr>
               <a:t>la relation entre la marque et ses </a:t>
             </a:r>
             <a:r>
-              <a:rPr lang="fr-FR" b="1" dirty="0" smtClean="0"/>
+              <a:rPr lang="fr-FR" b="1" dirty="0" smtClean="0">
+                <a:solidFill>
+                  <a:schemeClr val="tx1"/>
+                </a:solidFill>
+              </a:rPr>
               <a:t>consommateurs»</a:t>
             </a:r>
-            <a:endParaRPr lang="fr-FR" b="1" dirty="0"/>
+            <a:endParaRPr lang="fr-FR" b="1" dirty="0">
+              <a:solidFill>
+                <a:schemeClr val="tx1"/>
+              </a:solidFill>
+            </a:endParaRPr>
           </a:p>
           <a:p>
             <a:pPr marL="274638"/>
-            <a:endParaRPr lang="fr-FR" b="1" dirty="0" smtClean="0"/>
+            <a:endParaRPr lang="fr-FR" b="1" dirty="0" smtClean="0">
+              <a:solidFill>
+                <a:schemeClr val="tx1"/>
+              </a:solidFill>
+            </a:endParaRPr>
           </a:p>
           <a:p>
             <a:pPr marL="46038" indent="0" algn="r">
               <a:buNone/>
             </a:pPr>
             <a:r>
-              <a:rPr lang="fr-FR" b="1" dirty="0" smtClean="0"/>
+              <a:rPr lang="fr-FR" b="1" dirty="0" smtClean="0">
+                <a:solidFill>
+                  <a:schemeClr val="tx1"/>
+                </a:solidFill>
+              </a:rPr>
               <a:t>cbremard@advalo.com</a:t>
             </a:r>
-            <a:endParaRPr lang="en-IE" b="1" dirty="0"/>
+            <a:endParaRPr lang="en-IE" b="1" dirty="0">
+              <a:solidFill>
+                <a:schemeClr val="tx1"/>
+              </a:solidFill>
+            </a:endParaRPr>
           </a:p>
         </p:txBody>
       </p:sp>
@@ -5969,6 +6274,9 @@
   <p:clrMapOvr>
     <a:masterClrMapping/>
   </p:clrMapOvr>
+  <p:transition spd="slow">
+    <p:push dir="u"/>
+  </p:transition>
   <p:timing>
     <p:tnLst>
       <p:par>
@@ -6311,6 +6619,9 @@
   <p:clrMapOvr>
     <a:masterClrMapping/>
   </p:clrMapOvr>
+  <p:transition spd="slow">
+    <p:push dir="u"/>
+  </p:transition>
   <p:timing>
     <p:tnLst>
       <p:par>
@@ -6894,7 +7205,12 @@
             <p:ph idx="1"/>
           </p:nvPr>
         </p:nvSpPr>
-        <p:spPr/>
+        <p:spPr>
+          <a:xfrm>
+            <a:off x="838200" y="1638300"/>
+            <a:ext cx="10515600" cy="5448300"/>
+          </a:xfrm>
+        </p:spPr>
         <p:txBody>
           <a:bodyPr>
             <a:normAutofit fontScale="77500" lnSpcReduction="20000"/>
@@ -6902,278 +7218,628 @@
           <a:lstStyle/>
           <a:p>
             <a:r>
-              <a:rPr lang="en-IE" dirty="0" err="1"/>
+              <a:rPr lang="en-IE" dirty="0" err="1" smtClean="0">
+                <a:solidFill>
+                  <a:schemeClr val="tx1"/>
+                </a:solidFill>
+              </a:rPr>
+              <a:t>jeudi</a:t>
+            </a:r>
+            <a:r>
+              <a:rPr lang="en-IE" dirty="0" smtClean="0">
+                <a:solidFill>
+                  <a:schemeClr val="tx1"/>
+                </a:solidFill>
+              </a:rPr>
+              <a:t> 17 </a:t>
+            </a:r>
+            <a:r>
+              <a:rPr lang="en-IE" dirty="0" err="1">
+                <a:solidFill>
+                  <a:schemeClr val="tx1"/>
+                </a:solidFill>
+              </a:rPr>
+              <a:t>janvier</a:t>
+            </a:r>
+            <a:r>
+              <a:rPr lang="en-IE" dirty="0">
+                <a:solidFill>
+                  <a:schemeClr val="tx1"/>
+                </a:solidFill>
+              </a:rPr>
+              <a:t> </a:t>
+            </a:r>
+            <a:r>
+              <a:rPr lang="en-IE" dirty="0" smtClean="0">
+                <a:solidFill>
+                  <a:schemeClr val="tx1"/>
+                </a:solidFill>
+              </a:rPr>
+              <a:t>2018 : </a:t>
+            </a:r>
+            <a:r>
+              <a:rPr lang="en-IE" b="1" dirty="0" smtClean="0">
+                <a:solidFill>
+                  <a:schemeClr val="tx1"/>
+                </a:solidFill>
+                <a:hlinkClick r:id="rId2"/>
+              </a:rPr>
+              <a:t>Data Thursday, </a:t>
+            </a:r>
+            <a:r>
+              <a:rPr lang="en-IE" b="1" dirty="0" err="1" smtClean="0">
+                <a:solidFill>
+                  <a:schemeClr val="tx1"/>
+                </a:solidFill>
+                <a:hlinkClick r:id="rId2"/>
+              </a:rPr>
+              <a:t>vous</a:t>
+            </a:r>
+            <a:r>
+              <a:rPr lang="en-IE" b="1" dirty="0" smtClean="0">
+                <a:solidFill>
+                  <a:schemeClr val="tx1"/>
+                </a:solidFill>
+                <a:hlinkClick r:id="rId2"/>
+              </a:rPr>
+              <a:t> </a:t>
+            </a:r>
+            <a:r>
+              <a:rPr lang="en-IE" b="1" dirty="0" err="1" smtClean="0">
+                <a:solidFill>
+                  <a:schemeClr val="tx1"/>
+                </a:solidFill>
+                <a:hlinkClick r:id="rId2"/>
+              </a:rPr>
+              <a:t>faites</a:t>
+            </a:r>
+            <a:r>
+              <a:rPr lang="en-IE" b="1" dirty="0" smtClean="0">
+                <a:solidFill>
+                  <a:schemeClr val="tx1"/>
+                </a:solidFill>
+                <a:hlinkClick r:id="rId2"/>
+              </a:rPr>
+              <a:t> </a:t>
+            </a:r>
+            <a:r>
+              <a:rPr lang="en-IE" b="1" dirty="0" err="1" smtClean="0">
+                <a:solidFill>
+                  <a:schemeClr val="tx1"/>
+                </a:solidFill>
+                <a:hlinkClick r:id="rId2"/>
+              </a:rPr>
+              <a:t>parler</a:t>
+            </a:r>
+            <a:r>
+              <a:rPr lang="en-IE" b="1" dirty="0" smtClean="0">
+                <a:solidFill>
+                  <a:schemeClr val="tx1"/>
+                </a:solidFill>
+                <a:hlinkClick r:id="rId2"/>
+              </a:rPr>
+              <a:t> </a:t>
+            </a:r>
+            <a:r>
+              <a:rPr lang="en-IE" b="1" dirty="0" err="1" smtClean="0">
+                <a:solidFill>
+                  <a:schemeClr val="tx1"/>
+                </a:solidFill>
+                <a:hlinkClick r:id="rId2"/>
+              </a:rPr>
+              <a:t>vos</a:t>
+            </a:r>
+            <a:r>
+              <a:rPr lang="en-IE" b="1" dirty="0" smtClean="0">
+                <a:solidFill>
+                  <a:schemeClr val="tx1"/>
+                </a:solidFill>
+                <a:hlinkClick r:id="rId2"/>
+              </a:rPr>
+              <a:t> </a:t>
+            </a:r>
+            <a:r>
+              <a:rPr lang="en-IE" b="1" dirty="0" err="1" smtClean="0">
+                <a:solidFill>
+                  <a:schemeClr val="tx1"/>
+                </a:solidFill>
+                <a:hlinkClick r:id="rId2"/>
+              </a:rPr>
+              <a:t>données</a:t>
+            </a:r>
+            <a:r>
+              <a:rPr lang="en-IE" b="1" dirty="0" smtClean="0">
+                <a:solidFill>
+                  <a:schemeClr val="tx1"/>
+                </a:solidFill>
+                <a:hlinkClick r:id="rId2"/>
+              </a:rPr>
+              <a:t>, </a:t>
+            </a:r>
+            <a:r>
+              <a:rPr lang="en-IE" b="1" dirty="0" err="1" smtClean="0">
+                <a:solidFill>
+                  <a:schemeClr val="tx1"/>
+                </a:solidFill>
+                <a:hlinkClick r:id="rId2"/>
+              </a:rPr>
+              <a:t>venez</a:t>
+            </a:r>
+            <a:r>
+              <a:rPr lang="en-IE" b="1" dirty="0" smtClean="0">
+                <a:solidFill>
+                  <a:schemeClr val="tx1"/>
+                </a:solidFill>
+                <a:hlinkClick r:id="rId2"/>
+              </a:rPr>
+              <a:t> </a:t>
+            </a:r>
+            <a:r>
+              <a:rPr lang="en-IE" b="1" dirty="0" err="1" smtClean="0">
+                <a:solidFill>
+                  <a:schemeClr val="tx1"/>
+                </a:solidFill>
+                <a:hlinkClick r:id="rId2"/>
+              </a:rPr>
+              <a:t>en</a:t>
+            </a:r>
+            <a:r>
+              <a:rPr lang="en-IE" b="1" dirty="0" smtClean="0">
+                <a:solidFill>
+                  <a:schemeClr val="tx1"/>
+                </a:solidFill>
+                <a:hlinkClick r:id="rId2"/>
+              </a:rPr>
+              <a:t> </a:t>
+            </a:r>
+            <a:r>
+              <a:rPr lang="en-IE" b="1" dirty="0" err="1" smtClean="0">
+                <a:solidFill>
+                  <a:schemeClr val="tx1"/>
+                </a:solidFill>
+                <a:hlinkClick r:id="rId2"/>
+              </a:rPr>
+              <a:t>parler</a:t>
+            </a:r>
+            <a:r>
+              <a:rPr lang="en-IE" b="1" dirty="0" smtClean="0">
+                <a:solidFill>
+                  <a:schemeClr val="tx1"/>
+                </a:solidFill>
+                <a:hlinkClick r:id="rId2"/>
+              </a:rPr>
+              <a:t> !(</a:t>
+            </a:r>
+            <a:r>
+              <a:rPr lang="en-IE" b="1" dirty="0" smtClean="0">
+                <a:solidFill>
+                  <a:schemeClr val="tx1"/>
+                </a:solidFill>
+              </a:rPr>
+              <a:t>Rennes)</a:t>
+            </a:r>
+          </a:p>
+          <a:p>
+            <a:endParaRPr lang="en-IE" b="1" dirty="0">
+              <a:solidFill>
+                <a:schemeClr val="tx1"/>
+              </a:solidFill>
+            </a:endParaRPr>
+          </a:p>
+          <a:p>
+            <a:r>
+              <a:rPr lang="en-IE" dirty="0" err="1">
+                <a:solidFill>
+                  <a:schemeClr val="tx1"/>
+                </a:solidFill>
+              </a:rPr>
+              <a:t>mercredi</a:t>
+            </a:r>
+            <a:r>
+              <a:rPr lang="en-IE" dirty="0">
+                <a:solidFill>
+                  <a:schemeClr val="tx1"/>
+                </a:solidFill>
+              </a:rPr>
+              <a:t> 24 </a:t>
+            </a:r>
+            <a:r>
+              <a:rPr lang="en-IE" dirty="0" err="1">
+                <a:solidFill>
+                  <a:schemeClr val="tx1"/>
+                </a:solidFill>
+              </a:rPr>
+              <a:t>janvier</a:t>
+            </a:r>
+            <a:r>
+              <a:rPr lang="en-IE" dirty="0">
+                <a:solidFill>
+                  <a:schemeClr val="tx1"/>
+                </a:solidFill>
+              </a:rPr>
+              <a:t> </a:t>
+            </a:r>
+            <a:r>
+              <a:rPr lang="en-IE" dirty="0" smtClean="0">
+                <a:solidFill>
+                  <a:schemeClr val="tx1"/>
+                </a:solidFill>
+              </a:rPr>
+              <a:t>2018 : </a:t>
+            </a:r>
+            <a:r>
+              <a:rPr lang="en-IE" b="1" dirty="0" smtClean="0">
+                <a:solidFill>
+                  <a:schemeClr val="tx1"/>
+                </a:solidFill>
+                <a:hlinkClick r:id="rId3"/>
+              </a:rPr>
+              <a:t>R</a:t>
+            </a:r>
+            <a:r>
+              <a:rPr lang="en-IE" b="1" dirty="0">
+                <a:solidFill>
+                  <a:schemeClr val="tx1"/>
+                </a:solidFill>
+                <a:hlinkClick r:id="rId3"/>
+              </a:rPr>
+              <a:t>, </a:t>
+            </a:r>
+            <a:r>
+              <a:rPr lang="en-IE" b="1" dirty="0" err="1">
+                <a:solidFill>
+                  <a:schemeClr val="tx1"/>
+                </a:solidFill>
+                <a:hlinkClick r:id="rId3"/>
+              </a:rPr>
+              <a:t>vous</a:t>
+            </a:r>
+            <a:r>
+              <a:rPr lang="en-IE" b="1" dirty="0">
+                <a:solidFill>
+                  <a:schemeClr val="tx1"/>
+                </a:solidFill>
+                <a:hlinkClick r:id="rId3"/>
+              </a:rPr>
+              <a:t> </a:t>
+            </a:r>
+            <a:r>
+              <a:rPr lang="en-IE" b="1" dirty="0" err="1">
+                <a:solidFill>
+                  <a:schemeClr val="tx1"/>
+                </a:solidFill>
+                <a:hlinkClick r:id="rId3"/>
+              </a:rPr>
+              <a:t>avez</a:t>
+            </a:r>
+            <a:r>
+              <a:rPr lang="en-IE" b="1" dirty="0">
+                <a:solidFill>
+                  <a:schemeClr val="tx1"/>
+                </a:solidFill>
+                <a:hlinkClick r:id="rId3"/>
+              </a:rPr>
+              <a:t> </a:t>
+            </a:r>
+            <a:r>
+              <a:rPr lang="en-IE" b="1" dirty="0" err="1">
+                <a:solidFill>
+                  <a:schemeClr val="tx1"/>
+                </a:solidFill>
+                <a:hlinkClick r:id="rId3"/>
+              </a:rPr>
+              <a:t>dit</a:t>
+            </a:r>
+            <a:r>
+              <a:rPr lang="en-IE" b="1" dirty="0">
+                <a:solidFill>
+                  <a:schemeClr val="tx1"/>
+                </a:solidFill>
+                <a:hlinkClick r:id="rId3"/>
+              </a:rPr>
+              <a:t> R </a:t>
+            </a:r>
+            <a:r>
+              <a:rPr lang="en-IE" b="1" dirty="0" smtClean="0">
+                <a:solidFill>
+                  <a:schemeClr val="tx1"/>
+                </a:solidFill>
+                <a:hlinkClick r:id="rId3"/>
+              </a:rPr>
+              <a:t>?</a:t>
+            </a:r>
+            <a:r>
+              <a:rPr lang="en-IE" b="1" dirty="0" smtClean="0">
+                <a:solidFill>
+                  <a:schemeClr val="tx1"/>
+                </a:solidFill>
+              </a:rPr>
+              <a:t> (Rennes</a:t>
+            </a:r>
+            <a:r>
+              <a:rPr lang="en-IE" b="1" dirty="0" smtClean="0">
+                <a:solidFill>
+                  <a:schemeClr val="tx1"/>
+                </a:solidFill>
+              </a:rPr>
+              <a:t>)</a:t>
+            </a:r>
+          </a:p>
+          <a:p>
+            <a:endParaRPr lang="en-IE" b="1" dirty="0" smtClean="0">
+              <a:solidFill>
+                <a:schemeClr val="tx1"/>
+              </a:solidFill>
+            </a:endParaRPr>
+          </a:p>
+          <a:p>
+            <a:r>
+              <a:rPr lang="en-IE" dirty="0" err="1">
+                <a:solidFill>
+                  <a:schemeClr val="tx1"/>
+                </a:solidFill>
+              </a:rPr>
               <a:t>lundi</a:t>
             </a:r>
             <a:r>
-              <a:rPr lang="en-IE" dirty="0"/>
-              <a:t> 15 </a:t>
-            </a:r>
-            <a:r>
-              <a:rPr lang="en-IE" dirty="0" err="1"/>
-              <a:t>janvier</a:t>
-            </a:r>
-            <a:r>
-              <a:rPr lang="en-IE" dirty="0"/>
+              <a:rPr lang="en-IE" dirty="0">
+                <a:solidFill>
+                  <a:schemeClr val="tx1"/>
+                </a:solidFill>
+              </a:rPr>
+              <a:t> 5 </a:t>
+            </a:r>
+            <a:r>
+              <a:rPr lang="en-IE" dirty="0" err="1">
+                <a:solidFill>
+                  <a:schemeClr val="tx1"/>
+                </a:solidFill>
+              </a:rPr>
+              <a:t>février</a:t>
+            </a:r>
+            <a:r>
+              <a:rPr lang="en-IE" dirty="0">
+                <a:solidFill>
+                  <a:schemeClr val="tx1"/>
+                </a:solidFill>
+              </a:rPr>
               <a:t> </a:t>
             </a:r>
             <a:r>
-              <a:rPr lang="en-IE" dirty="0" smtClean="0"/>
+              <a:rPr lang="en-IE" dirty="0" smtClean="0">
+                <a:solidFill>
+                  <a:schemeClr val="tx1"/>
+                </a:solidFill>
+              </a:rPr>
               <a:t>2018 : </a:t>
             </a:r>
             <a:r>
+              <a:rPr lang="en-IE" b="1" dirty="0" err="1" smtClean="0">
+                <a:solidFill>
+                  <a:schemeClr val="tx1"/>
+                </a:solidFill>
+                <a:hlinkClick r:id="rId4"/>
+              </a:rPr>
+              <a:t>GuessWhat</a:t>
+            </a:r>
+            <a:r>
+              <a:rPr lang="en-IE" b="1" dirty="0">
+                <a:solidFill>
+                  <a:schemeClr val="tx1"/>
+                </a:solidFill>
+                <a:hlinkClick r:id="rId4"/>
+              </a:rPr>
+              <a:t>?! A Visually grounded goal-oriented dialogue tasks for Deep </a:t>
+            </a:r>
+            <a:r>
+              <a:rPr lang="en-IE" b="1" dirty="0" err="1" smtClean="0">
+                <a:solidFill>
+                  <a:schemeClr val="tx1"/>
+                </a:solidFill>
+                <a:hlinkClick r:id="rId4"/>
+              </a:rPr>
+              <a:t>Reinforcem</a:t>
+            </a:r>
+            <a:r>
               <a:rPr lang="en-IE" b="1" dirty="0" smtClean="0">
-                <a:hlinkClick r:id="rId2"/>
-              </a:rPr>
-              <a:t>New </a:t>
-            </a:r>
-            <a:r>
-              <a:rPr lang="en-IE" b="1" dirty="0">
-                <a:hlinkClick r:id="rId2"/>
-              </a:rPr>
-              <a:t>feature representations for image retrieval and semantic </a:t>
+                <a:solidFill>
+                  <a:schemeClr val="tx1"/>
+                </a:solidFill>
+                <a:hlinkClick r:id="rId4"/>
+              </a:rPr>
+              <a:t> </a:t>
             </a:r>
             <a:r>
               <a:rPr lang="en-IE" b="1" dirty="0" smtClean="0">
-                <a:hlinkClick r:id="rId2"/>
-              </a:rPr>
-              <a:t>matching</a:t>
-            </a:r>
-            <a:r>
-              <a:rPr lang="en-IE" b="1" dirty="0" smtClean="0"/>
-              <a:t> (Rennes)</a:t>
-            </a:r>
-            <a:endParaRPr lang="en-IE" b="1" dirty="0"/>
-          </a:p>
-          <a:p>
-            <a:r>
-              <a:rPr lang="en-IE" dirty="0" err="1"/>
-              <a:t>mercredi</a:t>
-            </a:r>
-            <a:r>
-              <a:rPr lang="en-IE" dirty="0"/>
-              <a:t> 24 </a:t>
-            </a:r>
-            <a:r>
-              <a:rPr lang="en-IE" dirty="0" err="1"/>
-              <a:t>janvier</a:t>
-            </a:r>
-            <a:r>
-              <a:rPr lang="en-IE" dirty="0"/>
+                <a:solidFill>
+                  <a:schemeClr val="tx1"/>
+                </a:solidFill>
+              </a:rPr>
+              <a:t>(Nantes</a:t>
+            </a:r>
+            <a:r>
+              <a:rPr lang="en-IE" b="1" dirty="0" smtClean="0">
+                <a:solidFill>
+                  <a:schemeClr val="tx1"/>
+                </a:solidFill>
+              </a:rPr>
+              <a:t>)</a:t>
+            </a:r>
+          </a:p>
+          <a:p>
+            <a:endParaRPr lang="en-IE" b="1" dirty="0">
+              <a:solidFill>
+                <a:schemeClr val="tx1"/>
+              </a:solidFill>
+            </a:endParaRPr>
+          </a:p>
+          <a:p>
+            <a:r>
+              <a:rPr lang="fr-FR" dirty="0">
+                <a:solidFill>
+                  <a:schemeClr val="tx1"/>
+                </a:solidFill>
+              </a:rPr>
+              <a:t>lundi 12 février </a:t>
+            </a:r>
+            <a:r>
+              <a:rPr lang="fr-FR" dirty="0" smtClean="0">
+                <a:solidFill>
+                  <a:schemeClr val="tx1"/>
+                </a:solidFill>
+              </a:rPr>
+              <a:t>2018 : </a:t>
+            </a:r>
+            <a:r>
+              <a:rPr lang="fr-FR" b="1" dirty="0" smtClean="0">
+                <a:solidFill>
+                  <a:schemeClr val="tx1"/>
+                </a:solidFill>
+                <a:hlinkClick r:id="rId5"/>
+              </a:rPr>
+              <a:t>Mise </a:t>
+            </a:r>
+            <a:r>
+              <a:rPr lang="fr-FR" b="1" dirty="0">
+                <a:solidFill>
+                  <a:schemeClr val="tx1"/>
+                </a:solidFill>
+                <a:hlinkClick r:id="rId5"/>
+              </a:rPr>
+              <a:t>en production de code R : retour </a:t>
+            </a:r>
+            <a:r>
+              <a:rPr lang="fr-FR" b="1" dirty="0" smtClean="0">
+                <a:solidFill>
+                  <a:schemeClr val="tx1"/>
+                </a:solidFill>
+                <a:hlinkClick r:id="rId5"/>
+              </a:rPr>
+              <a:t>d'</a:t>
+            </a:r>
+            <a:r>
+              <a:rPr lang="fr-FR" b="1" dirty="0" err="1" smtClean="0">
+                <a:solidFill>
+                  <a:schemeClr val="tx1"/>
+                </a:solidFill>
+                <a:hlinkClick r:id="rId5"/>
+              </a:rPr>
+              <a:t>expRience</a:t>
+            </a:r>
+            <a:r>
+              <a:rPr lang="fr-FR" b="1" dirty="0" smtClean="0">
+                <a:solidFill>
+                  <a:schemeClr val="tx1"/>
+                </a:solidFill>
+                <a:hlinkClick r:id="rId5"/>
+              </a:rPr>
               <a:t> </a:t>
             </a:r>
             <a:r>
-              <a:rPr lang="en-IE" dirty="0" smtClean="0"/>
-              <a:t>2018 : </a:t>
-            </a:r>
-            <a:r>
-              <a:rPr lang="en-IE" b="1" dirty="0" smtClean="0">
-                <a:hlinkClick r:id="rId3"/>
-              </a:rPr>
-              <a:t>R</a:t>
-            </a:r>
-            <a:r>
-              <a:rPr lang="en-IE" b="1" dirty="0">
-                <a:hlinkClick r:id="rId3"/>
-              </a:rPr>
-              <a:t>, </a:t>
-            </a:r>
-            <a:r>
-              <a:rPr lang="en-IE" b="1" dirty="0" err="1">
-                <a:hlinkClick r:id="rId3"/>
-              </a:rPr>
-              <a:t>vous</a:t>
-            </a:r>
-            <a:r>
-              <a:rPr lang="en-IE" b="1" dirty="0">
-                <a:hlinkClick r:id="rId3"/>
-              </a:rPr>
-              <a:t> </a:t>
-            </a:r>
-            <a:r>
-              <a:rPr lang="en-IE" b="1" dirty="0" err="1">
-                <a:hlinkClick r:id="rId3"/>
-              </a:rPr>
-              <a:t>avez</a:t>
-            </a:r>
-            <a:r>
-              <a:rPr lang="en-IE" b="1" dirty="0">
-                <a:hlinkClick r:id="rId3"/>
-              </a:rPr>
-              <a:t> </a:t>
-            </a:r>
-            <a:r>
-              <a:rPr lang="en-IE" b="1" dirty="0" err="1">
-                <a:hlinkClick r:id="rId3"/>
-              </a:rPr>
-              <a:t>dit</a:t>
-            </a:r>
-            <a:r>
-              <a:rPr lang="en-IE" b="1" dirty="0">
-                <a:hlinkClick r:id="rId3"/>
-              </a:rPr>
-              <a:t> R </a:t>
-            </a:r>
-            <a:r>
-              <a:rPr lang="en-IE" b="1" dirty="0" smtClean="0">
-                <a:hlinkClick r:id="rId3"/>
-              </a:rPr>
-              <a:t>?</a:t>
-            </a:r>
-            <a:r>
-              <a:rPr lang="en-IE" b="1" dirty="0" smtClean="0"/>
-              <a:t> (Rennes)</a:t>
-            </a:r>
-          </a:p>
-          <a:p>
-            <a:r>
-              <a:rPr lang="en-IE" dirty="0" err="1"/>
-              <a:t>lundi</a:t>
-            </a:r>
-            <a:r>
-              <a:rPr lang="en-IE" dirty="0"/>
-              <a:t> 5 </a:t>
-            </a:r>
-            <a:r>
-              <a:rPr lang="en-IE" dirty="0" err="1"/>
-              <a:t>février</a:t>
-            </a:r>
-            <a:r>
-              <a:rPr lang="en-IE" dirty="0"/>
-              <a:t> </a:t>
-            </a:r>
-            <a:r>
-              <a:rPr lang="en-IE" dirty="0" smtClean="0"/>
-              <a:t>2018 : </a:t>
-            </a:r>
-            <a:r>
-              <a:rPr lang="en-IE" b="1" dirty="0" err="1" smtClean="0">
-                <a:hlinkClick r:id="rId4"/>
-              </a:rPr>
-              <a:t>GuessWhat</a:t>
-            </a:r>
-            <a:r>
-              <a:rPr lang="en-IE" b="1" dirty="0">
-                <a:hlinkClick r:id="rId4"/>
-              </a:rPr>
-              <a:t>?! A Visually grounded goal-oriented dialogue tasks for Deep </a:t>
-            </a:r>
-            <a:r>
-              <a:rPr lang="en-IE" b="1" dirty="0" err="1" smtClean="0">
-                <a:hlinkClick r:id="rId4"/>
-              </a:rPr>
-              <a:t>Reinforcem</a:t>
-            </a:r>
-            <a:r>
-              <a:rPr lang="en-IE" b="1" dirty="0" smtClean="0">
-                <a:hlinkClick r:id="rId4"/>
-              </a:rPr>
-              <a:t> </a:t>
-            </a:r>
-            <a:r>
-              <a:rPr lang="en-IE" b="1" dirty="0" smtClean="0"/>
+              <a:rPr lang="fr-FR" b="1" dirty="0" smtClean="0">
+                <a:solidFill>
+                  <a:schemeClr val="tx1"/>
+                </a:solidFill>
+              </a:rPr>
               <a:t>(Nantes)</a:t>
             </a:r>
-            <a:endParaRPr lang="en-IE" b="1" dirty="0"/>
-          </a:p>
-          <a:p>
-            <a:r>
-              <a:rPr lang="fr-FR" dirty="0"/>
-              <a:t>lundi 12 février </a:t>
-            </a:r>
-            <a:r>
-              <a:rPr lang="fr-FR" dirty="0" smtClean="0"/>
-              <a:t>2018 : </a:t>
-            </a:r>
-            <a:r>
-              <a:rPr lang="fr-FR" b="1" dirty="0" smtClean="0">
-                <a:hlinkClick r:id="rId5"/>
-              </a:rPr>
-              <a:t>Mise </a:t>
-            </a:r>
-            <a:r>
-              <a:rPr lang="fr-FR" b="1" dirty="0">
-                <a:hlinkClick r:id="rId5"/>
-              </a:rPr>
-              <a:t>en production de code R : retour </a:t>
-            </a:r>
-            <a:r>
-              <a:rPr lang="fr-FR" b="1" dirty="0" smtClean="0">
-                <a:hlinkClick r:id="rId5"/>
-              </a:rPr>
-              <a:t>d'</a:t>
-            </a:r>
-            <a:r>
-              <a:rPr lang="fr-FR" b="1" dirty="0" err="1" smtClean="0">
-                <a:hlinkClick r:id="rId5"/>
-              </a:rPr>
-              <a:t>expRience</a:t>
-            </a:r>
-            <a:r>
-              <a:rPr lang="fr-FR" b="1" dirty="0" smtClean="0">
-                <a:hlinkClick r:id="rId5"/>
-              </a:rPr>
-              <a:t> </a:t>
-            </a:r>
-            <a:r>
-              <a:rPr lang="fr-FR" b="1" dirty="0" smtClean="0"/>
-              <a:t>(Nantes)</a:t>
-            </a:r>
-          </a:p>
-          <a:p>
-            <a:endParaRPr lang="fr-FR" b="1" dirty="0"/>
+          </a:p>
+          <a:p>
+            <a:endParaRPr lang="fr-FR" b="1" dirty="0">
+              <a:solidFill>
+                <a:schemeClr val="tx1"/>
+              </a:solidFill>
+            </a:endParaRPr>
           </a:p>
           <a:p>
             <a:r>
               <a:rPr lang="en-IE" dirty="0">
+                <a:solidFill>
+                  <a:schemeClr val="tx1"/>
+                </a:solidFill>
                 <a:hlinkClick r:id="rId6"/>
               </a:rPr>
               <a:t>http://www.datatau.com</a:t>
             </a:r>
             <a:r>
               <a:rPr lang="en-IE" dirty="0" smtClean="0">
+                <a:solidFill>
+                  <a:schemeClr val="tx1"/>
+                </a:solidFill>
                 <a:hlinkClick r:id="rId6"/>
               </a:rPr>
               <a:t>/</a:t>
             </a:r>
-            <a:endParaRPr lang="en-IE" dirty="0" smtClean="0"/>
+            <a:endParaRPr lang="en-IE" dirty="0" smtClean="0">
+              <a:solidFill>
+                <a:schemeClr val="tx1"/>
+              </a:solidFill>
+            </a:endParaRPr>
           </a:p>
           <a:p>
             <a:r>
               <a:rPr lang="en-IE" dirty="0">
+                <a:solidFill>
+                  <a:schemeClr val="tx1"/>
+                </a:solidFill>
                 <a:hlinkClick r:id="rId7"/>
               </a:rPr>
               <a:t>https://www.lebigdata.fr</a:t>
             </a:r>
             <a:r>
               <a:rPr lang="en-IE" dirty="0" smtClean="0">
+                <a:solidFill>
+                  <a:schemeClr val="tx1"/>
+                </a:solidFill>
                 <a:hlinkClick r:id="rId7"/>
               </a:rPr>
               <a:t>/</a:t>
             </a:r>
-            <a:endParaRPr lang="en-IE" dirty="0" smtClean="0"/>
+            <a:endParaRPr lang="en-IE" dirty="0" smtClean="0">
+              <a:solidFill>
+                <a:schemeClr val="tx1"/>
+              </a:solidFill>
+            </a:endParaRPr>
           </a:p>
           <a:p>
             <a:r>
               <a:rPr lang="en-IE" dirty="0">
+                <a:solidFill>
+                  <a:schemeClr val="tx1"/>
+                </a:solidFill>
                 <a:hlinkClick r:id="rId8"/>
               </a:rPr>
               <a:t>https://</a:t>
             </a:r>
             <a:r>
               <a:rPr lang="en-IE" dirty="0" smtClean="0">
+                <a:solidFill>
+                  <a:schemeClr val="tx1"/>
+                </a:solidFill>
                 <a:hlinkClick r:id="rId8"/>
               </a:rPr>
               <a:t>www.decideo.fr/</a:t>
             </a:r>
-            <a:endParaRPr lang="en-IE" dirty="0" smtClean="0"/>
-          </a:p>
-          <a:p>
-            <a:r>
-              <a:rPr lang="fr-FR" dirty="0" smtClean="0"/>
+            <a:endParaRPr lang="en-IE" dirty="0" smtClean="0">
+              <a:solidFill>
+                <a:schemeClr val="tx1"/>
+              </a:solidFill>
+            </a:endParaRPr>
+          </a:p>
+          <a:p>
+            <a:r>
+              <a:rPr lang="fr-FR" dirty="0" smtClean="0">
+                <a:solidFill>
+                  <a:schemeClr val="tx1"/>
+                </a:solidFill>
+              </a:rPr>
               <a:t>Etc.</a:t>
             </a:r>
-            <a:endParaRPr lang="en-IE" dirty="0"/>
+            <a:endParaRPr lang="en-IE" dirty="0">
+              <a:solidFill>
+                <a:schemeClr val="tx1"/>
+              </a:solidFill>
+            </a:endParaRPr>
           </a:p>
         </p:txBody>
       </p:sp>
@@ -7210,6 +7876,9 @@
   <p:clrMapOvr>
     <a:masterClrMapping/>
   </p:clrMapOvr>
+  <p:transition spd="slow">
+    <p:push dir="u"/>
+  </p:transition>
   <p:timing>
     <p:tnLst>
       <p:par>
@@ -9380,6 +10049,18 @@
   <p:clrMapOvr>
     <a:masterClrMapping/>
   </p:clrMapOvr>
+  <mc:AlternateContent xmlns:mc="http://schemas.openxmlformats.org/markup-compatibility/2006" xmlns:p14="http://schemas.microsoft.com/office/powerpoint/2010/main">
+    <mc:Choice Requires="p14">
+      <p:transition spd="slow" p14:dur="800">
+        <p:circle/>
+      </p:transition>
+    </mc:Choice>
+    <mc:Fallback xmlns="">
+      <p:transition spd="slow">
+        <p:circle/>
+      </p:transition>
+    </mc:Fallback>
+  </mc:AlternateContent>
   <p:timing>
     <p:tnLst>
       <p:par>
@@ -14543,7 +15224,6 @@
               <a:rPr lang="en-IE" sz="2400" b="1" dirty="0"/>
               <a:t>, ... &gt;  </a:t>
             </a:r>
-            <a:endParaRPr lang="en-IE" sz="2400" b="1" dirty="0"/>
           </a:p>
         </p:txBody>
       </p:sp>
@@ -15030,7 +15710,7 @@
             </a:r>
             <a:r>
               <a:rPr lang="fr-FR" sz="3200" dirty="0" smtClean="0"/>
-              <a:t>	String</a:t>
+              <a:t>		String</a:t>
             </a:r>
             <a:endParaRPr lang="fr-FR" sz="3200" dirty="0"/>
           </a:p>
@@ -15045,7 +15725,11 @@
             </a:r>
             <a:r>
               <a:rPr lang="en-IE" sz="3200" dirty="0"/>
-              <a:t>(SEP,  str1, str2, …)			String</a:t>
+              <a:t>(SEP,  str1, str2, …)			</a:t>
+            </a:r>
+            <a:r>
+              <a:rPr lang="en-IE" sz="3200" dirty="0" smtClean="0"/>
+              <a:t>	String</a:t>
             </a:r>
             <a:endParaRPr lang="fr-FR" sz="3200" dirty="0"/>
           </a:p>
@@ -15060,8 +15744,13 @@
             </a:r>
             <a:r>
               <a:rPr lang="en-IE" sz="3200" dirty="0"/>
-              <a:t>(SEP,  Array&lt;String&gt;)			String</a:t>
-            </a:r>
+              <a:t>(SEP,  Array&lt;String&gt;)			</a:t>
+            </a:r>
+            <a:r>
+              <a:rPr lang="en-IE" sz="3200" dirty="0" smtClean="0"/>
+              <a:t>	String</a:t>
+            </a:r>
+            <a:endParaRPr lang="en-IE" sz="3200" dirty="0"/>
           </a:p>
           <a:p>
             <a:pPr marL="1200150" lvl="2" indent="-285750">
@@ -15100,7 +15789,11 @@
               <a:t>length(string A)					</a:t>
             </a:r>
             <a:r>
-              <a:rPr lang="en-IE" sz="3200" dirty="0" err="1"/>
+              <a:rPr lang="en-IE" sz="3200" dirty="0" smtClean="0"/>
+              <a:t>	</a:t>
+            </a:r>
+            <a:r>
+              <a:rPr lang="en-IE" sz="3200" dirty="0" err="1" smtClean="0"/>
               <a:t>Int</a:t>
             </a:r>
             <a:endParaRPr lang="en-IE" sz="3200" dirty="0"/>
@@ -15159,8 +15852,13 @@
             </a:r>
             <a:r>
               <a:rPr lang="en-IE" sz="3200" dirty="0"/>
-              <a:t>(String A)			String</a:t>
-            </a:r>
+              <a:t>(String A)			</a:t>
+            </a:r>
+            <a:r>
+              <a:rPr lang="en-IE" sz="3200" dirty="0" smtClean="0"/>
+              <a:t>	String</a:t>
+            </a:r>
+            <a:endParaRPr lang="en-IE" sz="3200" dirty="0"/>
           </a:p>
           <a:p>
             <a:pPr marL="1200150" lvl="2" indent="-285750">
@@ -15203,8 +15901,13 @@
             </a:r>
             <a:r>
               <a:rPr lang="en-IE" sz="3200" dirty="0"/>
-              <a:t>, k1, k2, ...)			Tuple</a:t>
-            </a:r>
+              <a:t>, k1, k2, ...)			</a:t>
+            </a:r>
+            <a:r>
+              <a:rPr lang="en-IE" sz="3200" dirty="0" smtClean="0"/>
+              <a:t>	Tuple</a:t>
+            </a:r>
+            <a:endParaRPr lang="en-IE" sz="3200" dirty="0"/>
           </a:p>
           <a:p>
             <a:pPr marL="1200150" lvl="2" indent="-285750">
@@ -15696,6 +16399,10 @@
               <a:t>&lt;T&gt;)		</a:t>
             </a:r>
             <a:r>
+              <a:rPr lang="fr-FR" sz="3200" dirty="0" smtClean="0"/>
+              <a:t>	</a:t>
+            </a:r>
+            <a:r>
               <a:rPr lang="fr-FR" sz="3200" dirty="0" err="1" smtClean="0"/>
               <a:t>Array</a:t>
             </a:r>
@@ -15769,7 +16476,7 @@
             </a:r>
             <a:r>
               <a:rPr lang="fr-FR" sz="3200" dirty="0" smtClean="0"/>
-              <a:t>Int</a:t>
+              <a:t>	Int</a:t>
             </a:r>
             <a:endParaRPr lang="fr-FR" sz="3200" dirty="0"/>
           </a:p>
@@ -15860,6 +16567,18 @@
   <p:clrMapOvr>
     <a:masterClrMapping/>
   </p:clrMapOvr>
+  <mc:AlternateContent xmlns:mc="http://schemas.openxmlformats.org/markup-compatibility/2006" xmlns:p14="http://schemas.microsoft.com/office/powerpoint/2010/main">
+    <mc:Choice Requires="p14">
+      <p:transition spd="slow" p14:dur="800">
+        <p:circle/>
+      </p:transition>
+    </mc:Choice>
+    <mc:Fallback xmlns="">
+      <p:transition spd="slow">
+        <p:circle/>
+      </p:transition>
+    </mc:Fallback>
+  </mc:AlternateContent>
   <p:timing>
     <p:tnLst>
       <p:par>
@@ -18421,7 +19140,19 @@
             </a:r>
             <a:r>
               <a:rPr lang="en-IE" b="1" dirty="0"/>
-              <a:t>" id="1" </a:t>
+              <a:t>" </a:t>
+            </a:r>
+            <a:r>
+              <a:rPr lang="en-IE" b="1" dirty="0">
+                <a:solidFill>
+                  <a:srgbClr val="FF0000"/>
+                </a:solidFill>
+              </a:rPr>
+              <a:t>id</a:t>
+            </a:r>
+            <a:r>
+              <a:rPr lang="en-IE" b="1" dirty="0"/>
+              <a:t>="1" </a:t>
             </a:r>
             <a:r>
               <a:rPr lang="en-IE" b="1" dirty="0" err="1">
@@ -18512,7 +19243,19 @@
             </a:r>
             <a:r>
               <a:rPr lang="en-IE" b="1" dirty="0"/>
-              <a:t>"SP95" id="2" </a:t>
+              <a:t>"SP95" </a:t>
+            </a:r>
+            <a:r>
+              <a:rPr lang="en-IE" b="1" dirty="0">
+                <a:solidFill>
+                  <a:srgbClr val="FF0000"/>
+                </a:solidFill>
+              </a:rPr>
+              <a:t>id</a:t>
+            </a:r>
+            <a:r>
+              <a:rPr lang="en-IE" b="1" dirty="0"/>
+              <a:t>="2" </a:t>
             </a:r>
             <a:r>
               <a:rPr lang="en-IE" b="1" dirty="0" err="1">
@@ -18603,7 +19346,19 @@
             </a:r>
             <a:r>
               <a:rPr lang="en-IE" b="1" dirty="0"/>
-              <a:t>"E10" id="5" </a:t>
+              <a:t>"E10" </a:t>
+            </a:r>
+            <a:r>
+              <a:rPr lang="en-IE" b="1" dirty="0">
+                <a:solidFill>
+                  <a:srgbClr val="FF0000"/>
+                </a:solidFill>
+              </a:rPr>
+              <a:t>id</a:t>
+            </a:r>
+            <a:r>
+              <a:rPr lang="en-IE" b="1" dirty="0"/>
+              <a:t>="5" </a:t>
             </a:r>
             <a:r>
               <a:rPr lang="en-IE" b="1" dirty="0" err="1">
@@ -18724,6 +19479,18 @@
   <p:clrMapOvr>
     <a:masterClrMapping/>
   </p:clrMapOvr>
+  <mc:AlternateContent xmlns:mc="http://schemas.openxmlformats.org/markup-compatibility/2006" xmlns:p14="http://schemas.microsoft.com/office/powerpoint/2010/main">
+    <mc:Choice Requires="p14">
+      <p:transition spd="slow" p14:dur="800">
+        <p:circle/>
+      </p:transition>
+    </mc:Choice>
+    <mc:Fallback xmlns="">
+      <p:transition spd="slow">
+        <p:circle/>
+      </p:transition>
+    </mc:Fallback>
+  </mc:AlternateContent>
   <p:timing>
     <p:tnLst>
       <p:par>
@@ -18735,7 +19502,7 @@
 </file>
 
 <file path=ppt/slides/slide8.xml><?xml version="1.0" encoding="utf-8"?>
-<p:sld xmlns:a="http://schemas.openxmlformats.org/drawingml/2006/main" xmlns:r="http://schemas.openxmlformats.org/officeDocument/2006/relationships" xmlns:p="http://schemas.openxmlformats.org/presentationml/2006/main">
+<p:sld xmlns:a="http://schemas.openxmlformats.org/drawingml/2006/main" xmlns:r="http://schemas.openxmlformats.org/officeDocument/2006/relationships" xmlns:p="http://schemas.openxmlformats.org/presentationml/2006/main" show="0">
   <p:cSld>
     <p:spTree>
       <p:nvGrpSpPr>
@@ -18826,6 +19593,14 @@
   <p:clrMapOvr>
     <a:masterClrMapping/>
   </p:clrMapOvr>
+  <mc:AlternateContent xmlns:mc="http://schemas.openxmlformats.org/markup-compatibility/2006" xmlns:p14="http://schemas.microsoft.com/office/powerpoint/2010/main">
+    <mc:Choice Requires="p14">
+      <p:transition spd="slow" p14:dur="2000"/>
+    </mc:Choice>
+    <mc:Fallback xmlns="">
+      <p:transition spd="slow"/>
+    </mc:Fallback>
+  </mc:AlternateContent>
   <p:timing>
     <p:tnLst>
       <p:par>
@@ -19366,7 +20141,6 @@
               <a:rPr lang="en-IE" sz="3600" b="1" dirty="0"/>
               <a:t> schema]; </a:t>
             </a:r>
-            <a:endParaRPr lang="en-IE" sz="3600" b="1" dirty="0"/>
           </a:p>
         </p:txBody>
       </p:sp>
@@ -19461,7 +20235,6 @@
               <a:rPr lang="en-IE" sz="2400" b="1" dirty="0"/>
               <a:t>A schema using the AS keyword, enclosed in parentheses.</a:t>
             </a:r>
-            <a:endParaRPr lang="en-IE" sz="2400" b="1" dirty="0"/>
           </a:p>
         </p:txBody>
       </p:sp>
@@ -19917,7 +20690,6 @@
               <a:rPr lang="en-IE" sz="4800" dirty="0"/>
               <a:t> expression.</a:t>
             </a:r>
-            <a:endParaRPr lang="en-IE" sz="4800" dirty="0"/>
           </a:p>
         </p:txBody>
       </p:sp>
@@ -20766,7 +21538,6 @@
               <a:rPr lang="en-IE" sz="2400" dirty="0"/>
               <a:t>(Optional) Keyword</a:t>
             </a:r>
-            <a:endParaRPr lang="en-IE" sz="2400" dirty="0"/>
           </a:p>
         </p:txBody>
       </p:sp>
@@ -22212,6 +22983,18 @@
   <p:clrMapOvr>
     <a:masterClrMapping/>
   </p:clrMapOvr>
+  <mc:AlternateContent xmlns:mc="http://schemas.openxmlformats.org/markup-compatibility/2006" xmlns:p14="http://schemas.microsoft.com/office/powerpoint/2010/main">
+    <mc:Choice Requires="p14">
+      <p:transition spd="slow" p14:dur="800">
+        <p:circle/>
+      </p:transition>
+    </mc:Choice>
+    <mc:Fallback xmlns="">
+      <p:transition spd="slow">
+        <p:circle/>
+      </p:transition>
+    </mc:Fallback>
+  </mc:AlternateContent>
   <p:timing>
     <p:tnLst>
       <p:par>
@@ -24524,7 +25307,7 @@
   <a:extraClrSchemeLst/>
   <a:extLst>
     <a:ext uri="{05A4C25C-085E-4340-85A3-A5531E510DB2}">
-      <thm15:themeFamily xmlns="" xmlns:thm15="http://schemas.microsoft.com/office/thememl/2012/main" name="Office Theme" id="{62F939B6-93AF-4DB8-9C6B-D6C7DFDC589F}" vid="{4A3C46E8-61CC-4603-A589-7422A47A8E4A}"/>
+      <thm15:themeFamily xmlns:thm15="http://schemas.microsoft.com/office/thememl/2012/main" xmlns="" name="Office Theme" id="{62F939B6-93AF-4DB8-9C6B-D6C7DFDC589F}" vid="{4A3C46E8-61CC-4603-A589-7422A47A8E4A}"/>
     </a:ext>
   </a:extLst>
 </a:theme>
@@ -24785,7 +25568,7 @@
   <a:extraClrSchemeLst/>
   <a:extLst>
     <a:ext uri="{05A4C25C-085E-4340-85A3-A5531E510DB2}">
-      <thm15:themeFamily xmlns="" xmlns:thm15="http://schemas.microsoft.com/office/thememl/2012/main" name="Office Theme" id="{62F939B6-93AF-4DB8-9C6B-D6C7DFDC589F}" vid="{4A3C46E8-61CC-4603-A589-7422A47A8E4A}"/>
+      <thm15:themeFamily xmlns:thm15="http://schemas.microsoft.com/office/thememl/2012/main" xmlns="" name="Office Theme" id="{62F939B6-93AF-4DB8-9C6B-D6C7DFDC589F}" vid="{4A3C46E8-61CC-4603-A589-7422A47A8E4A}"/>
     </a:ext>
   </a:extLst>
 </a:theme>
